--- a/Figure_S2_enrichment_culturing/Figure_S2.pptx
+++ b/Figure_S2_enrichment_culturing/Figure_S2.pptx
@@ -104,6 +104,11 @@
       </a:defRPr>
     </a:lvl9pPr>
   </p:defaultTextStyle>
+  <p:extLst>
+    <p:ext uri="{EFAFB233-063F-42B5-8137-9DF3F51BA10A}">
+      <p15:sldGuideLst xmlns:p15="http://schemas.microsoft.com/office/powerpoint/2012/main"/>
+    </p:ext>
+  </p:extLst>
 </p:presentation>
 </file>
 
@@ -238,7 +243,7 @@
           <a:p>
             <a:fld id="{433C4CA6-807F-4625-8651-D91FAA5CBC45}" type="datetimeFigureOut">
               <a:rPr lang="en-CA" smtClean="0"/>
-              <a:t>2019-01-27</a:t>
+              <a:t>2020-01-10</a:t>
             </a:fld>
             <a:endParaRPr lang="en-CA"/>
           </a:p>
@@ -408,7 +413,7 @@
           <a:p>
             <a:fld id="{433C4CA6-807F-4625-8651-D91FAA5CBC45}" type="datetimeFigureOut">
               <a:rPr lang="en-CA" smtClean="0"/>
-              <a:t>2019-01-27</a:t>
+              <a:t>2020-01-10</a:t>
             </a:fld>
             <a:endParaRPr lang="en-CA"/>
           </a:p>
@@ -588,7 +593,7 @@
           <a:p>
             <a:fld id="{433C4CA6-807F-4625-8651-D91FAA5CBC45}" type="datetimeFigureOut">
               <a:rPr lang="en-CA" smtClean="0"/>
-              <a:t>2019-01-27</a:t>
+              <a:t>2020-01-10</a:t>
             </a:fld>
             <a:endParaRPr lang="en-CA"/>
           </a:p>
@@ -758,7 +763,7 @@
           <a:p>
             <a:fld id="{433C4CA6-807F-4625-8651-D91FAA5CBC45}" type="datetimeFigureOut">
               <a:rPr lang="en-CA" smtClean="0"/>
-              <a:t>2019-01-27</a:t>
+              <a:t>2020-01-10</a:t>
             </a:fld>
             <a:endParaRPr lang="en-CA"/>
           </a:p>
@@ -1002,7 +1007,7 @@
           <a:p>
             <a:fld id="{433C4CA6-807F-4625-8651-D91FAA5CBC45}" type="datetimeFigureOut">
               <a:rPr lang="en-CA" smtClean="0"/>
-              <a:t>2019-01-27</a:t>
+              <a:t>2020-01-10</a:t>
             </a:fld>
             <a:endParaRPr lang="en-CA"/>
           </a:p>
@@ -1234,7 +1239,7 @@
           <a:p>
             <a:fld id="{433C4CA6-807F-4625-8651-D91FAA5CBC45}" type="datetimeFigureOut">
               <a:rPr lang="en-CA" smtClean="0"/>
-              <a:t>2019-01-27</a:t>
+              <a:t>2020-01-10</a:t>
             </a:fld>
             <a:endParaRPr lang="en-CA"/>
           </a:p>
@@ -1601,7 +1606,7 @@
           <a:p>
             <a:fld id="{433C4CA6-807F-4625-8651-D91FAA5CBC45}" type="datetimeFigureOut">
               <a:rPr lang="en-CA" smtClean="0"/>
-              <a:t>2019-01-27</a:t>
+              <a:t>2020-01-10</a:t>
             </a:fld>
             <a:endParaRPr lang="en-CA"/>
           </a:p>
@@ -1719,7 +1724,7 @@
           <a:p>
             <a:fld id="{433C4CA6-807F-4625-8651-D91FAA5CBC45}" type="datetimeFigureOut">
               <a:rPr lang="en-CA" smtClean="0"/>
-              <a:t>2019-01-27</a:t>
+              <a:t>2020-01-10</a:t>
             </a:fld>
             <a:endParaRPr lang="en-CA"/>
           </a:p>
@@ -1814,7 +1819,7 @@
           <a:p>
             <a:fld id="{433C4CA6-807F-4625-8651-D91FAA5CBC45}" type="datetimeFigureOut">
               <a:rPr lang="en-CA" smtClean="0"/>
-              <a:t>2019-01-27</a:t>
+              <a:t>2020-01-10</a:t>
             </a:fld>
             <a:endParaRPr lang="en-CA"/>
           </a:p>
@@ -2091,7 +2096,7 @@
           <a:p>
             <a:fld id="{433C4CA6-807F-4625-8651-D91FAA5CBC45}" type="datetimeFigureOut">
               <a:rPr lang="en-CA" smtClean="0"/>
-              <a:t>2019-01-27</a:t>
+              <a:t>2020-01-10</a:t>
             </a:fld>
             <a:endParaRPr lang="en-CA"/>
           </a:p>
@@ -2348,7 +2353,7 @@
           <a:p>
             <a:fld id="{433C4CA6-807F-4625-8651-D91FAA5CBC45}" type="datetimeFigureOut">
               <a:rPr lang="en-CA" smtClean="0"/>
-              <a:t>2019-01-27</a:t>
+              <a:t>2020-01-10</a:t>
             </a:fld>
             <a:endParaRPr lang="en-CA"/>
           </a:p>
@@ -2561,7 +2566,7 @@
           <a:p>
             <a:fld id="{433C4CA6-807F-4625-8651-D91FAA5CBC45}" type="datetimeFigureOut">
               <a:rPr lang="en-CA" smtClean="0"/>
-              <a:t>2019-01-27</a:t>
+              <a:t>2020-01-10</a:t>
             </a:fld>
             <a:endParaRPr lang="en-CA"/>
           </a:p>
@@ -3054,7 +3059,7 @@
         </p:nvGrpSpPr>
         <p:grpSpPr>
           <a:xfrm>
-            <a:off x="2260975" y="712123"/>
+            <a:off x="2345645" y="712123"/>
             <a:ext cx="1644310" cy="1800000"/>
             <a:chOff x="2628363" y="712122"/>
             <a:chExt cx="1644310" cy="1800000"/>
@@ -3147,8 +3152,8 @@
         </p:nvSpPr>
         <p:spPr>
           <a:xfrm>
-            <a:off x="91237" y="950404"/>
-            <a:ext cx="2299620" cy="1323439"/>
+            <a:off x="91237" y="841545"/>
+            <a:ext cx="2361964" cy="1538883"/>
           </a:xfrm>
           <a:prstGeom prst="rect">
             <a:avLst/>
@@ -3175,7 +3180,7 @@
                 <a:latin typeface="Arial" panose="020B0604020202020204" pitchFamily="34" charset="0"/>
                 <a:cs typeface="Arial" panose="020B0604020202020204" pitchFamily="34" charset="0"/>
               </a:rPr>
-              <a:t>Left: Pfennig media (S2-)</a:t>
+              <a:t>Left: Pfennig’s medium (S2-)</a:t>
             </a:r>
           </a:p>
           <a:p>
@@ -3190,7 +3195,7 @@
                 <a:latin typeface="Arial" panose="020B0604020202020204" pitchFamily="34" charset="0"/>
                 <a:cs typeface="Arial" panose="020B0604020202020204" pitchFamily="34" charset="0"/>
               </a:rPr>
-              <a:t>Right: Freshwater media from </a:t>
+              <a:t>Right: Freshwater medium from </a:t>
             </a:r>
             <a:r>
               <a:rPr lang="en-CA" sz="1400" dirty="0" err="1">
@@ -3305,7 +3310,7 @@
                 <a:latin typeface="Arial" panose="020B0604020202020204" pitchFamily="34" charset="0"/>
                 <a:cs typeface="Arial" panose="020B0604020202020204" pitchFamily="34" charset="0"/>
               </a:rPr>
-              <a:t> media</a:t>
+              <a:t> medium</a:t>
             </a:r>
           </a:p>
         </p:txBody>
@@ -3324,10 +3329,10 @@
         </p:nvGrpSpPr>
         <p:grpSpPr>
           <a:xfrm>
-            <a:off x="123892" y="2794287"/>
-            <a:ext cx="6648909" cy="2218353"/>
-            <a:chOff x="104545" y="3078089"/>
-            <a:chExt cx="6648909" cy="2218353"/>
+            <a:off x="123892" y="2603785"/>
+            <a:ext cx="6648909" cy="2554545"/>
+            <a:chOff x="104545" y="2887587"/>
+            <a:chExt cx="6648909" cy="2554545"/>
           </a:xfrm>
         </p:grpSpPr>
         <p:grpSp>
@@ -3532,8 +3537,8 @@
           </p:nvSpPr>
           <p:spPr>
             <a:xfrm>
-              <a:off x="104545" y="3078089"/>
-              <a:ext cx="2329309" cy="2046714"/>
+              <a:off x="104545" y="2887587"/>
+              <a:ext cx="2329309" cy="2554545"/>
             </a:xfrm>
             <a:prstGeom prst="rect">
               <a:avLst/>
@@ -3641,6 +3646,35 @@
                   <a:cs typeface="Arial" panose="020B0604020202020204" pitchFamily="34" charset="0"/>
                 </a:rPr>
                 <a:t>Cells ~0.8-1 x 1.2-1.5 µm in size</a:t>
+              </a:r>
+            </a:p>
+            <a:p>
+              <a:endParaRPr lang="en-CA" sz="500" dirty="0">
+                <a:latin typeface="Arial" panose="020B0604020202020204" pitchFamily="34" charset="0"/>
+                <a:cs typeface="Arial" panose="020B0604020202020204" pitchFamily="34" charset="0"/>
+              </a:endParaRPr>
+            </a:p>
+            <a:p>
+              <a:r>
+                <a:rPr lang="en-CA" sz="1400" dirty="0">
+                  <a:latin typeface="Arial" panose="020B0604020202020204" pitchFamily="34" charset="0"/>
+                  <a:cs typeface="Arial" panose="020B0604020202020204" pitchFamily="34" charset="0"/>
+                </a:rPr>
+                <a:t>Named “</a:t>
+              </a:r>
+              <a:r>
+                <a:rPr lang="en-CA" sz="1400" i="1" dirty="0">
+                  <a:latin typeface="Arial" panose="020B0604020202020204" pitchFamily="34" charset="0"/>
+                  <a:cs typeface="Arial" panose="020B0604020202020204" pitchFamily="34" charset="0"/>
+                </a:rPr>
+                <a:t>Ca.</a:t>
+              </a:r>
+              <a:r>
+                <a:rPr lang="en-CA" sz="1400" dirty="0">
+                  <a:latin typeface="Arial" panose="020B0604020202020204" pitchFamily="34" charset="0"/>
+                  <a:cs typeface="Arial" panose="020B0604020202020204" pitchFamily="34" charset="0"/>
+                </a:rPr>
+                <a:t> Chl. canadensis L304-6D”</a:t>
               </a:r>
             </a:p>
           </p:txBody>
@@ -4012,7 +4046,7 @@
           </p:nvSpPr>
           <p:spPr>
             <a:xfrm>
-              <a:off x="161446" y="5511779"/>
+              <a:off x="161446" y="5533551"/>
               <a:ext cx="2766263" cy="1831271"/>
             </a:xfrm>
             <a:prstGeom prst="rect">
@@ -4426,7 +4460,7 @@
                   <a:latin typeface="Arial" panose="020B0604020202020204" pitchFamily="34" charset="0"/>
                   <a:cs typeface="Arial" panose="020B0604020202020204" pitchFamily="34" charset="0"/>
                 </a:rPr>
-                <a:t> media (Fe</a:t>
+                <a:t> medium (Fe</a:t>
               </a:r>
               <a:r>
                 <a:rPr lang="en-CA" sz="1400" baseline="30000" dirty="0">
@@ -4484,7 +4518,7 @@
                   <a:latin typeface="Arial" panose="020B0604020202020204" pitchFamily="34" charset="0"/>
                   <a:cs typeface="Arial" panose="020B0604020202020204" pitchFamily="34" charset="0"/>
                 </a:rPr>
-                <a:t>Eventually transitioned to sulfide-containing media (Pfennig), although growth was poor; </a:t>
+                <a:t>Eventually transitioned to sulfide-containing medium (Pfennig’s), although growth was poor; </a:t>
               </a:r>
               <a:r>
                 <a:rPr lang="en-CA" sz="1400" i="1" dirty="0" err="1">

--- a/Figure_S2_enrichment_culturing/Figure_S2.pptx
+++ b/Figure_S2_enrichment_culturing/Figure_S2.pptx
@@ -243,7 +243,7 @@
           <a:p>
             <a:fld id="{433C4CA6-807F-4625-8651-D91FAA5CBC45}" type="datetimeFigureOut">
               <a:rPr lang="en-CA" smtClean="0"/>
-              <a:t>2020-01-10</a:t>
+              <a:t>2020-02-18</a:t>
             </a:fld>
             <a:endParaRPr lang="en-CA"/>
           </a:p>
@@ -413,7 +413,7 @@
           <a:p>
             <a:fld id="{433C4CA6-807F-4625-8651-D91FAA5CBC45}" type="datetimeFigureOut">
               <a:rPr lang="en-CA" smtClean="0"/>
-              <a:t>2020-01-10</a:t>
+              <a:t>2020-02-18</a:t>
             </a:fld>
             <a:endParaRPr lang="en-CA"/>
           </a:p>
@@ -593,7 +593,7 @@
           <a:p>
             <a:fld id="{433C4CA6-807F-4625-8651-D91FAA5CBC45}" type="datetimeFigureOut">
               <a:rPr lang="en-CA" smtClean="0"/>
-              <a:t>2020-01-10</a:t>
+              <a:t>2020-02-18</a:t>
             </a:fld>
             <a:endParaRPr lang="en-CA"/>
           </a:p>
@@ -763,7 +763,7 @@
           <a:p>
             <a:fld id="{433C4CA6-807F-4625-8651-D91FAA5CBC45}" type="datetimeFigureOut">
               <a:rPr lang="en-CA" smtClean="0"/>
-              <a:t>2020-01-10</a:t>
+              <a:t>2020-02-18</a:t>
             </a:fld>
             <a:endParaRPr lang="en-CA"/>
           </a:p>
@@ -1007,7 +1007,7 @@
           <a:p>
             <a:fld id="{433C4CA6-807F-4625-8651-D91FAA5CBC45}" type="datetimeFigureOut">
               <a:rPr lang="en-CA" smtClean="0"/>
-              <a:t>2020-01-10</a:t>
+              <a:t>2020-02-18</a:t>
             </a:fld>
             <a:endParaRPr lang="en-CA"/>
           </a:p>
@@ -1239,7 +1239,7 @@
           <a:p>
             <a:fld id="{433C4CA6-807F-4625-8651-D91FAA5CBC45}" type="datetimeFigureOut">
               <a:rPr lang="en-CA" smtClean="0"/>
-              <a:t>2020-01-10</a:t>
+              <a:t>2020-02-18</a:t>
             </a:fld>
             <a:endParaRPr lang="en-CA"/>
           </a:p>
@@ -1606,7 +1606,7 @@
           <a:p>
             <a:fld id="{433C4CA6-807F-4625-8651-D91FAA5CBC45}" type="datetimeFigureOut">
               <a:rPr lang="en-CA" smtClean="0"/>
-              <a:t>2020-01-10</a:t>
+              <a:t>2020-02-18</a:t>
             </a:fld>
             <a:endParaRPr lang="en-CA"/>
           </a:p>
@@ -1724,7 +1724,7 @@
           <a:p>
             <a:fld id="{433C4CA6-807F-4625-8651-D91FAA5CBC45}" type="datetimeFigureOut">
               <a:rPr lang="en-CA" smtClean="0"/>
-              <a:t>2020-01-10</a:t>
+              <a:t>2020-02-18</a:t>
             </a:fld>
             <a:endParaRPr lang="en-CA"/>
           </a:p>
@@ -1819,7 +1819,7 @@
           <a:p>
             <a:fld id="{433C4CA6-807F-4625-8651-D91FAA5CBC45}" type="datetimeFigureOut">
               <a:rPr lang="en-CA" smtClean="0"/>
-              <a:t>2020-01-10</a:t>
+              <a:t>2020-02-18</a:t>
             </a:fld>
             <a:endParaRPr lang="en-CA"/>
           </a:p>
@@ -2096,7 +2096,7 @@
           <a:p>
             <a:fld id="{433C4CA6-807F-4625-8651-D91FAA5CBC45}" type="datetimeFigureOut">
               <a:rPr lang="en-CA" smtClean="0"/>
-              <a:t>2020-01-10</a:t>
+              <a:t>2020-02-18</a:t>
             </a:fld>
             <a:endParaRPr lang="en-CA"/>
           </a:p>
@@ -2353,7 +2353,7 @@
           <a:p>
             <a:fld id="{433C4CA6-807F-4625-8651-D91FAA5CBC45}" type="datetimeFigureOut">
               <a:rPr lang="en-CA" smtClean="0"/>
-              <a:t>2020-01-10</a:t>
+              <a:t>2020-02-18</a:t>
             </a:fld>
             <a:endParaRPr lang="en-CA"/>
           </a:p>
@@ -2566,7 +2566,7 @@
           <a:p>
             <a:fld id="{433C4CA6-807F-4625-8651-D91FAA5CBC45}" type="datetimeFigureOut">
               <a:rPr lang="en-CA" smtClean="0"/>
-              <a:t>2020-01-10</a:t>
+              <a:t>2020-02-18</a:t>
             </a:fld>
             <a:endParaRPr lang="en-CA"/>
           </a:p>
@@ -3674,7 +3674,7 @@
                   <a:latin typeface="Arial" panose="020B0604020202020204" pitchFamily="34" charset="0"/>
                   <a:cs typeface="Arial" panose="020B0604020202020204" pitchFamily="34" charset="0"/>
                 </a:rPr>
-                <a:t> Chl. canadensis L304-6D”</a:t>
+                <a:t> Chl. canadense L304-6D”</a:t>
               </a:r>
             </a:p>
           </p:txBody>
